--- a/VLIW.pptx
+++ b/VLIW.pptx
@@ -10,6 +10,21 @@
     <p:sldId id="258" r:id="rId4"/>
     <p:sldId id="259" r:id="rId5"/>
     <p:sldId id="260" r:id="rId6"/>
+    <p:sldId id="261" r:id="rId7"/>
+    <p:sldId id="262" r:id="rId8"/>
+    <p:sldId id="263" r:id="rId9"/>
+    <p:sldId id="264" r:id="rId10"/>
+    <p:sldId id="265" r:id="rId11"/>
+    <p:sldId id="266" r:id="rId12"/>
+    <p:sldId id="267" r:id="rId13"/>
+    <p:sldId id="268" r:id="rId14"/>
+    <p:sldId id="269" r:id="rId15"/>
+    <p:sldId id="270" r:id="rId16"/>
+    <p:sldId id="271" r:id="rId17"/>
+    <p:sldId id="272" r:id="rId18"/>
+    <p:sldId id="273" r:id="rId19"/>
+    <p:sldId id="274" r:id="rId20"/>
+    <p:sldId id="275" r:id="rId21"/>
   </p:sldIdLst>
   <p:sldSz cx="12192000" cy="6858000"/>
   <p:notesSz cx="6858000" cy="9144000"/>
@@ -108,6 +123,11 @@
       </a:defRPr>
     </a:lvl9pPr>
   </p:defaultTextStyle>
+  <p:extLst>
+    <p:ext uri="{EFAFB233-063F-42B5-8137-9DF3F51BA10A}">
+      <p15:sldGuideLst xmlns:p15="http://schemas.microsoft.com/office/powerpoint/2012/main"/>
+    </p:ext>
+  </p:extLst>
 </p:presentation>
 </file>
 
@@ -3011,6 +3031,1354 @@
 </p:sld>
 </file>
 
+<file path=ppt/slides/slide10.xml><?xml version="1.0" encoding="utf-8"?>
+<p:sld xmlns:a="http://schemas.openxmlformats.org/drawingml/2006/main" xmlns:r="http://schemas.openxmlformats.org/officeDocument/2006/relationships" xmlns:p="http://schemas.openxmlformats.org/presentationml/2006/main">
+  <p:cSld>
+    <p:spTree>
+      <p:nvGrpSpPr>
+        <p:cNvPr id="1" name=""/>
+        <p:cNvGrpSpPr/>
+        <p:nvPr/>
+      </p:nvGrpSpPr>
+      <p:grpSpPr>
+        <a:xfrm>
+          <a:off x="0" y="0"/>
+          <a:ext cx="0" cy="0"/>
+          <a:chOff x="0" y="0"/>
+          <a:chExt cx="0" cy="0"/>
+        </a:xfrm>
+      </p:grpSpPr>
+      <p:pic>
+        <p:nvPicPr>
+          <p:cNvPr id="4" name="Content Placeholder 3"/>
+          <p:cNvPicPr>
+            <a:picLocks noGrp="1" noChangeAspect="1"/>
+          </p:cNvPicPr>
+          <p:nvPr>
+            <p:ph idx="1"/>
+          </p:nvPr>
+        </p:nvPicPr>
+        <p:blipFill>
+          <a:blip r:embed="rId2">
+            <a:extLst>
+              <a:ext uri="{28A0092B-C50C-407E-A947-70E740481C1C}">
+                <a14:useLocalDpi xmlns:a14="http://schemas.microsoft.com/office/drawing/2010/main" val="0"/>
+              </a:ext>
+            </a:extLst>
+          </a:blip>
+          <a:stretch>
+            <a:fillRect/>
+          </a:stretch>
+        </p:blipFill>
+        <p:spPr>
+          <a:xfrm>
+            <a:off x="3766812" y="2157949"/>
+            <a:ext cx="4658375" cy="3686689"/>
+          </a:xfrm>
+        </p:spPr>
+      </p:pic>
+      <p:sp>
+        <p:nvSpPr>
+          <p:cNvPr id="5" name="TextBox 4"/>
+          <p:cNvSpPr txBox="1"/>
+          <p:nvPr/>
+        </p:nvSpPr>
+        <p:spPr>
+          <a:xfrm>
+            <a:off x="300251" y="450376"/>
+            <a:ext cx="5909480" cy="369332"/>
+          </a:xfrm>
+          <a:prstGeom prst="rect">
+            <a:avLst/>
+          </a:prstGeom>
+          <a:noFill/>
+        </p:spPr>
+        <p:txBody>
+          <a:bodyPr wrap="square" rtlCol="0">
+            <a:spAutoFit/>
+          </a:bodyPr>
+          <a:lstStyle/>
+          <a:p>
+            <a:r>
+              <a:rPr lang="en-US" dirty="0" smtClean="0"/>
+              <a:t>Block Diagram</a:t>
+            </a:r>
+            <a:endParaRPr lang="en-US" dirty="0"/>
+          </a:p>
+        </p:txBody>
+      </p:sp>
+    </p:spTree>
+    <p:extLst>
+      <p:ext uri="{BB962C8B-B14F-4D97-AF65-F5344CB8AC3E}">
+        <p14:creationId xmlns:p14="http://schemas.microsoft.com/office/powerpoint/2010/main" val="3122213679"/>
+      </p:ext>
+    </p:extLst>
+  </p:cSld>
+  <p:clrMapOvr>
+    <a:masterClrMapping/>
+  </p:clrMapOvr>
+</p:sld>
+</file>
+
+<file path=ppt/slides/slide11.xml><?xml version="1.0" encoding="utf-8"?>
+<p:sld xmlns:a="http://schemas.openxmlformats.org/drawingml/2006/main" xmlns:r="http://schemas.openxmlformats.org/officeDocument/2006/relationships" xmlns:p="http://schemas.openxmlformats.org/presentationml/2006/main">
+  <p:cSld>
+    <p:spTree>
+      <p:nvGrpSpPr>
+        <p:cNvPr id="1" name=""/>
+        <p:cNvGrpSpPr/>
+        <p:nvPr/>
+      </p:nvGrpSpPr>
+      <p:grpSpPr>
+        <a:xfrm>
+          <a:off x="0" y="0"/>
+          <a:ext cx="0" cy="0"/>
+          <a:chOff x="0" y="0"/>
+          <a:chExt cx="0" cy="0"/>
+        </a:xfrm>
+      </p:grpSpPr>
+      <p:pic>
+        <p:nvPicPr>
+          <p:cNvPr id="4" name="Content Placeholder 3"/>
+          <p:cNvPicPr>
+            <a:picLocks noGrp="1" noChangeAspect="1"/>
+          </p:cNvPicPr>
+          <p:nvPr>
+            <p:ph idx="1"/>
+          </p:nvPr>
+        </p:nvPicPr>
+        <p:blipFill>
+          <a:blip r:embed="rId2">
+            <a:extLst>
+              <a:ext uri="{28A0092B-C50C-407E-A947-70E740481C1C}">
+                <a14:useLocalDpi xmlns:a14="http://schemas.microsoft.com/office/drawing/2010/main" val="0"/>
+              </a:ext>
+            </a:extLst>
+          </a:blip>
+          <a:stretch>
+            <a:fillRect/>
+          </a:stretch>
+        </p:blipFill>
+        <p:spPr>
+          <a:xfrm>
+            <a:off x="1717191" y="1846622"/>
+            <a:ext cx="7268939" cy="4458644"/>
+          </a:xfrm>
+        </p:spPr>
+      </p:pic>
+      <p:sp>
+        <p:nvSpPr>
+          <p:cNvPr id="5" name="TextBox 4"/>
+          <p:cNvSpPr txBox="1"/>
+          <p:nvPr/>
+        </p:nvSpPr>
+        <p:spPr>
+          <a:xfrm>
+            <a:off x="177421" y="341194"/>
+            <a:ext cx="10044752" cy="369332"/>
+          </a:xfrm>
+          <a:prstGeom prst="rect">
+            <a:avLst/>
+          </a:prstGeom>
+          <a:noFill/>
+        </p:spPr>
+        <p:txBody>
+          <a:bodyPr wrap="square" rtlCol="0">
+            <a:spAutoFit/>
+          </a:bodyPr>
+          <a:lstStyle/>
+          <a:p>
+            <a:r>
+              <a:rPr lang="en-US" dirty="0" smtClean="0"/>
+              <a:t>Diagram (Conceptual Instruction Execution)</a:t>
+            </a:r>
+            <a:endParaRPr lang="en-US" dirty="0"/>
+          </a:p>
+        </p:txBody>
+      </p:sp>
+    </p:spTree>
+    <p:extLst>
+      <p:ext uri="{BB962C8B-B14F-4D97-AF65-F5344CB8AC3E}">
+        <p14:creationId xmlns:p14="http://schemas.microsoft.com/office/powerpoint/2010/main" val="2146195345"/>
+      </p:ext>
+    </p:extLst>
+  </p:cSld>
+  <p:clrMapOvr>
+    <a:masterClrMapping/>
+  </p:clrMapOvr>
+</p:sld>
+</file>
+
+<file path=ppt/slides/slide12.xml><?xml version="1.0" encoding="utf-8"?>
+<p:sld xmlns:a="http://schemas.openxmlformats.org/drawingml/2006/main" xmlns:r="http://schemas.openxmlformats.org/officeDocument/2006/relationships" xmlns:p="http://schemas.openxmlformats.org/presentationml/2006/main">
+  <p:cSld>
+    <p:spTree>
+      <p:nvGrpSpPr>
+        <p:cNvPr id="1" name=""/>
+        <p:cNvGrpSpPr/>
+        <p:nvPr/>
+      </p:nvGrpSpPr>
+      <p:grpSpPr>
+        <a:xfrm>
+          <a:off x="0" y="0"/>
+          <a:ext cx="0" cy="0"/>
+          <a:chOff x="0" y="0"/>
+          <a:chExt cx="0" cy="0"/>
+        </a:xfrm>
+      </p:grpSpPr>
+      <p:sp>
+        <p:nvSpPr>
+          <p:cNvPr id="4" name="TextBox 3"/>
+          <p:cNvSpPr txBox="1"/>
+          <p:nvPr/>
+        </p:nvSpPr>
+        <p:spPr>
+          <a:xfrm>
+            <a:off x="641444" y="477672"/>
+            <a:ext cx="11273051" cy="2308324"/>
+          </a:xfrm>
+          <a:prstGeom prst="rect">
+            <a:avLst/>
+          </a:prstGeom>
+          <a:noFill/>
+        </p:spPr>
+        <p:txBody>
+          <a:bodyPr wrap="square" rtlCol="0">
+            <a:spAutoFit/>
+          </a:bodyPr>
+          <a:lstStyle/>
+          <a:p>
+            <a:r>
+              <a:rPr lang="en-US" dirty="0" smtClean="0"/>
+              <a:t>Working</a:t>
+            </a:r>
+          </a:p>
+          <a:p>
+            <a:r>
+              <a:rPr lang="en-US" dirty="0"/>
+              <a:t> </a:t>
+            </a:r>
+            <a:r>
+              <a:rPr lang="en-US" dirty="0" smtClean="0"/>
+              <a:t>+ Long instruction words are fetched from the memory.</a:t>
+            </a:r>
+          </a:p>
+          <a:p>
+            <a:r>
+              <a:rPr lang="en-US" dirty="0"/>
+              <a:t> </a:t>
+            </a:r>
+            <a:r>
+              <a:rPr lang="en-US" dirty="0" smtClean="0"/>
+              <a:t>+ A common multi-ported register file for fetching the operands and storing the results.</a:t>
+            </a:r>
+          </a:p>
+          <a:p>
+            <a:r>
+              <a:rPr lang="en-US" dirty="0"/>
+              <a:t> </a:t>
+            </a:r>
+            <a:r>
+              <a:rPr lang="en-US" dirty="0" smtClean="0"/>
+              <a:t>+ Parallel random access to the register file is possible through the read/write cross bar.</a:t>
+            </a:r>
+          </a:p>
+          <a:p>
+            <a:r>
+              <a:rPr lang="en-US" dirty="0"/>
+              <a:t> </a:t>
+            </a:r>
+            <a:r>
+              <a:rPr lang="en-US" dirty="0" smtClean="0"/>
+              <a:t>+ Execution in the functional units is carried out concurrently with the load/store operation of data between RAM and the register file.</a:t>
+            </a:r>
+          </a:p>
+          <a:p>
+            <a:r>
+              <a:rPr lang="en-US" dirty="0"/>
+              <a:t> </a:t>
+            </a:r>
+            <a:r>
+              <a:rPr lang="en-US" dirty="0" smtClean="0"/>
+              <a:t>+ One or multiple register files for FX and FP data.</a:t>
+            </a:r>
+          </a:p>
+          <a:p>
+            <a:r>
+              <a:rPr lang="en-US" dirty="0"/>
+              <a:t> </a:t>
+            </a:r>
+            <a:r>
+              <a:rPr lang="en-US" dirty="0" smtClean="0"/>
+              <a:t>+ Rely on compiler to find parallelism and schedule dependency free program code.</a:t>
+            </a:r>
+            <a:endParaRPr lang="en-US" dirty="0"/>
+          </a:p>
+        </p:txBody>
+      </p:sp>
+    </p:spTree>
+    <p:extLst>
+      <p:ext uri="{BB962C8B-B14F-4D97-AF65-F5344CB8AC3E}">
+        <p14:creationId xmlns:p14="http://schemas.microsoft.com/office/powerpoint/2010/main" val="2793190833"/>
+      </p:ext>
+    </p:extLst>
+  </p:cSld>
+  <p:clrMapOvr>
+    <a:masterClrMapping/>
+  </p:clrMapOvr>
+</p:sld>
+</file>
+
+<file path=ppt/slides/slide13.xml><?xml version="1.0" encoding="utf-8"?>
+<p:sld xmlns:a="http://schemas.openxmlformats.org/drawingml/2006/main" xmlns:r="http://schemas.openxmlformats.org/officeDocument/2006/relationships" xmlns:p="http://schemas.openxmlformats.org/presentationml/2006/main">
+  <p:cSld>
+    <p:spTree>
+      <p:nvGrpSpPr>
+        <p:cNvPr id="1" name=""/>
+        <p:cNvGrpSpPr/>
+        <p:nvPr/>
+      </p:nvGrpSpPr>
+      <p:grpSpPr>
+        <a:xfrm>
+          <a:off x="0" y="0"/>
+          <a:ext cx="0" cy="0"/>
+          <a:chOff x="0" y="0"/>
+          <a:chExt cx="0" cy="0"/>
+        </a:xfrm>
+      </p:grpSpPr>
+      <p:pic>
+        <p:nvPicPr>
+          <p:cNvPr id="4" name="Content Placeholder 3"/>
+          <p:cNvPicPr>
+            <a:picLocks noGrp="1" noChangeAspect="1"/>
+          </p:cNvPicPr>
+          <p:nvPr>
+            <p:ph idx="1"/>
+          </p:nvPr>
+        </p:nvPicPr>
+        <p:blipFill>
+          <a:blip r:embed="rId2">
+            <a:extLst>
+              <a:ext uri="{28A0092B-C50C-407E-A947-70E740481C1C}">
+                <a14:useLocalDpi xmlns:a14="http://schemas.microsoft.com/office/drawing/2010/main" val="0"/>
+              </a:ext>
+            </a:extLst>
+          </a:blip>
+          <a:stretch>
+            <a:fillRect/>
+          </a:stretch>
+        </p:blipFill>
+        <p:spPr>
+          <a:xfrm>
+            <a:off x="1405719" y="759556"/>
+            <a:ext cx="8693623" cy="6008692"/>
+          </a:xfrm>
+        </p:spPr>
+      </p:pic>
+      <p:sp>
+        <p:nvSpPr>
+          <p:cNvPr id="5" name="TextBox 4"/>
+          <p:cNvSpPr txBox="1"/>
+          <p:nvPr/>
+        </p:nvSpPr>
+        <p:spPr>
+          <a:xfrm>
+            <a:off x="300251" y="368490"/>
+            <a:ext cx="5254388" cy="369332"/>
+          </a:xfrm>
+          <a:prstGeom prst="rect">
+            <a:avLst/>
+          </a:prstGeom>
+          <a:noFill/>
+        </p:spPr>
+        <p:txBody>
+          <a:bodyPr wrap="square" rtlCol="0">
+            <a:spAutoFit/>
+          </a:bodyPr>
+          <a:lstStyle/>
+          <a:p>
+            <a:r>
+              <a:rPr lang="en-US" dirty="0" smtClean="0"/>
+              <a:t>Difference Between VLIW &amp; Superscalar Architecture</a:t>
+            </a:r>
+            <a:endParaRPr lang="en-US" dirty="0"/>
+          </a:p>
+        </p:txBody>
+      </p:sp>
+    </p:spTree>
+    <p:extLst>
+      <p:ext uri="{BB962C8B-B14F-4D97-AF65-F5344CB8AC3E}">
+        <p14:creationId xmlns:p14="http://schemas.microsoft.com/office/powerpoint/2010/main" val="3354333787"/>
+      </p:ext>
+    </p:extLst>
+  </p:cSld>
+  <p:clrMapOvr>
+    <a:masterClrMapping/>
+  </p:clrMapOvr>
+</p:sld>
+</file>
+
+<file path=ppt/slides/slide14.xml><?xml version="1.0" encoding="utf-8"?>
+<p:sld xmlns:a="http://schemas.openxmlformats.org/drawingml/2006/main" xmlns:r="http://schemas.openxmlformats.org/officeDocument/2006/relationships" xmlns:p="http://schemas.openxmlformats.org/presentationml/2006/main">
+  <p:cSld>
+    <p:spTree>
+      <p:nvGrpSpPr>
+        <p:cNvPr id="1" name=""/>
+        <p:cNvGrpSpPr/>
+        <p:nvPr/>
+      </p:nvGrpSpPr>
+      <p:grpSpPr>
+        <a:xfrm>
+          <a:off x="0" y="0"/>
+          <a:ext cx="0" cy="0"/>
+          <a:chOff x="0" y="0"/>
+          <a:chExt cx="0" cy="0"/>
+        </a:xfrm>
+      </p:grpSpPr>
+      <p:sp>
+        <p:nvSpPr>
+          <p:cNvPr id="4" name="TextBox 3"/>
+          <p:cNvSpPr txBox="1"/>
+          <p:nvPr/>
+        </p:nvSpPr>
+        <p:spPr>
+          <a:xfrm>
+            <a:off x="150125" y="163773"/>
+            <a:ext cx="11846257" cy="2031325"/>
+          </a:xfrm>
+          <a:prstGeom prst="rect">
+            <a:avLst/>
+          </a:prstGeom>
+          <a:noFill/>
+        </p:spPr>
+        <p:txBody>
+          <a:bodyPr wrap="square" rtlCol="0">
+            <a:spAutoFit/>
+          </a:bodyPr>
+          <a:lstStyle/>
+          <a:p>
+            <a:r>
+              <a:rPr lang="en-US" dirty="0" smtClean="0"/>
+              <a:t>VLIW vs Superscalar Architecture</a:t>
+            </a:r>
+          </a:p>
+          <a:p>
+            <a:r>
+              <a:rPr lang="en-US" dirty="0"/>
+              <a:t> </a:t>
+            </a:r>
+            <a:r>
+              <a:rPr lang="en-US" dirty="0" smtClean="0"/>
+              <a:t>+ Instruction formulation</a:t>
+            </a:r>
+          </a:p>
+          <a:p>
+            <a:r>
+              <a:rPr lang="en-US" dirty="0"/>
+              <a:t>	</a:t>
+            </a:r>
+            <a:r>
+              <a:rPr lang="en-US" dirty="0" smtClean="0"/>
+              <a:t>+ Superscalar: Receive conventional instructions conceived for sequential processors.</a:t>
+            </a:r>
+          </a:p>
+          <a:p>
+            <a:r>
+              <a:rPr lang="en-US" dirty="0"/>
+              <a:t>	</a:t>
+            </a:r>
+            <a:r>
+              <a:rPr lang="en-US" dirty="0" smtClean="0"/>
+              <a:t>+ VLIW:	- Receive long instruction words, each comprising a field (or opcode) for each execution unit.</a:t>
+            </a:r>
+          </a:p>
+          <a:p>
+            <a:r>
+              <a:rPr lang="en-US" dirty="0"/>
+              <a:t>	</a:t>
+            </a:r>
+            <a:r>
+              <a:rPr lang="en-US" dirty="0" smtClean="0"/>
+              <a:t>	- Instruction word length depends number of execution units and code length to control each unit (such as opcode length, registers).</a:t>
+            </a:r>
+          </a:p>
+          <a:p>
+            <a:r>
+              <a:rPr lang="en-US" dirty="0"/>
+              <a:t>	</a:t>
+            </a:r>
+            <a:r>
+              <a:rPr lang="en-US" dirty="0" smtClean="0"/>
+              <a:t>	- Typical word length is 64 – 1024 bits, much longer than conventional machine word length.</a:t>
+            </a:r>
+            <a:endParaRPr lang="en-US" dirty="0"/>
+          </a:p>
+        </p:txBody>
+      </p:sp>
+    </p:spTree>
+    <p:extLst>
+      <p:ext uri="{BB962C8B-B14F-4D97-AF65-F5344CB8AC3E}">
+        <p14:creationId xmlns:p14="http://schemas.microsoft.com/office/powerpoint/2010/main" val="1334669372"/>
+      </p:ext>
+    </p:extLst>
+  </p:cSld>
+  <p:clrMapOvr>
+    <a:masterClrMapping/>
+  </p:clrMapOvr>
+</p:sld>
+</file>
+
+<file path=ppt/slides/slide15.xml><?xml version="1.0" encoding="utf-8"?>
+<p:sld xmlns:a="http://schemas.openxmlformats.org/drawingml/2006/main" xmlns:r="http://schemas.openxmlformats.org/officeDocument/2006/relationships" xmlns:p="http://schemas.openxmlformats.org/presentationml/2006/main">
+  <p:cSld>
+    <p:spTree>
+      <p:nvGrpSpPr>
+        <p:cNvPr id="1" name=""/>
+        <p:cNvGrpSpPr/>
+        <p:nvPr/>
+      </p:nvGrpSpPr>
+      <p:grpSpPr>
+        <a:xfrm>
+          <a:off x="0" y="0"/>
+          <a:ext cx="0" cy="0"/>
+          <a:chOff x="0" y="0"/>
+          <a:chExt cx="0" cy="0"/>
+        </a:xfrm>
+      </p:grpSpPr>
+      <p:sp>
+        <p:nvSpPr>
+          <p:cNvPr id="4" name="TextBox 3"/>
+          <p:cNvSpPr txBox="1"/>
+          <p:nvPr/>
+        </p:nvSpPr>
+        <p:spPr>
+          <a:xfrm>
+            <a:off x="95534" y="163773"/>
+            <a:ext cx="11791666" cy="2585323"/>
+          </a:xfrm>
+          <a:prstGeom prst="rect">
+            <a:avLst/>
+          </a:prstGeom>
+          <a:noFill/>
+        </p:spPr>
+        <p:txBody>
+          <a:bodyPr wrap="square" rtlCol="0">
+            <a:spAutoFit/>
+          </a:bodyPr>
+          <a:lstStyle/>
+          <a:p>
+            <a:r>
+              <a:rPr lang="en-US" dirty="0" smtClean="0"/>
+              <a:t>VLIW vs Superscalar Architecture</a:t>
+            </a:r>
+          </a:p>
+          <a:p>
+            <a:r>
+              <a:rPr lang="en-US" dirty="0"/>
+              <a:t> </a:t>
+            </a:r>
+            <a:r>
+              <a:rPr lang="en-US" dirty="0" smtClean="0"/>
+              <a:t>+ Instruction scheduling</a:t>
+            </a:r>
+          </a:p>
+          <a:p>
+            <a:r>
+              <a:rPr lang="en-US" dirty="0"/>
+              <a:t>	</a:t>
+            </a:r>
+            <a:r>
+              <a:rPr lang="en-US" dirty="0" smtClean="0"/>
+              <a:t>+ Superscalar:	- Done dynamically at run-time by the hardware.</a:t>
+            </a:r>
+          </a:p>
+          <a:p>
+            <a:r>
+              <a:rPr lang="en-US" dirty="0"/>
+              <a:t>	</a:t>
+            </a:r>
+            <a:r>
+              <a:rPr lang="en-US" dirty="0" smtClean="0"/>
+              <a:t>		- Data dependency is checked and resoled in hardware.</a:t>
+            </a:r>
+          </a:p>
+          <a:p>
+            <a:r>
+              <a:rPr lang="en-US" dirty="0"/>
+              <a:t>	</a:t>
+            </a:r>
+            <a:r>
+              <a:rPr lang="en-US" dirty="0" smtClean="0"/>
+              <a:t>		- Need a look ahead hardware window for instruction fetch.</a:t>
+            </a:r>
+          </a:p>
+          <a:p>
+            <a:endParaRPr lang="en-US" dirty="0"/>
+          </a:p>
+          <a:p>
+            <a:r>
+              <a:rPr lang="en-US" dirty="0" smtClean="0"/>
+              <a:t>	+ VLIW:		- Done statically at compile time by compiler.</a:t>
+            </a:r>
+          </a:p>
+          <a:p>
+            <a:r>
+              <a:rPr lang="en-US" dirty="0"/>
+              <a:t>	</a:t>
+            </a:r>
+            <a:r>
+              <a:rPr lang="en-US" dirty="0" smtClean="0"/>
+              <a:t>		- Data dependency is checked by compiler.</a:t>
+            </a:r>
+          </a:p>
+          <a:p>
+            <a:r>
+              <a:rPr lang="en-US" dirty="0"/>
+              <a:t>	</a:t>
+            </a:r>
+            <a:r>
+              <a:rPr lang="en-US" dirty="0" smtClean="0"/>
+              <a:t>		- In case of un-filled opcodes in a VLIW, memory space and instruction bandwidth are wasted.</a:t>
+            </a:r>
+            <a:endParaRPr lang="en-US" dirty="0"/>
+          </a:p>
+        </p:txBody>
+      </p:sp>
+    </p:spTree>
+    <p:extLst>
+      <p:ext uri="{BB962C8B-B14F-4D97-AF65-F5344CB8AC3E}">
+        <p14:creationId xmlns:p14="http://schemas.microsoft.com/office/powerpoint/2010/main" val="3839425862"/>
+      </p:ext>
+    </p:extLst>
+  </p:cSld>
+  <p:clrMapOvr>
+    <a:masterClrMapping/>
+  </p:clrMapOvr>
+</p:sld>
+</file>
+
+<file path=ppt/slides/slide16.xml><?xml version="1.0" encoding="utf-8"?>
+<p:sld xmlns:a="http://schemas.openxmlformats.org/drawingml/2006/main" xmlns:r="http://schemas.openxmlformats.org/officeDocument/2006/relationships" xmlns:p="http://schemas.openxmlformats.org/presentationml/2006/main">
+  <p:cSld>
+    <p:spTree>
+      <p:nvGrpSpPr>
+        <p:cNvPr id="1" name=""/>
+        <p:cNvGrpSpPr/>
+        <p:nvPr/>
+      </p:nvGrpSpPr>
+      <p:grpSpPr>
+        <a:xfrm>
+          <a:off x="0" y="0"/>
+          <a:ext cx="0" cy="0"/>
+          <a:chOff x="0" y="0"/>
+          <a:chExt cx="0" cy="0"/>
+        </a:xfrm>
+      </p:grpSpPr>
+      <p:sp>
+        <p:nvSpPr>
+          <p:cNvPr id="4" name="TextBox 3"/>
+          <p:cNvSpPr txBox="1"/>
+          <p:nvPr/>
+        </p:nvSpPr>
+        <p:spPr>
+          <a:xfrm>
+            <a:off x="122831" y="191069"/>
+            <a:ext cx="2975212" cy="369332"/>
+          </a:xfrm>
+          <a:prstGeom prst="rect">
+            <a:avLst/>
+          </a:prstGeom>
+          <a:noFill/>
+        </p:spPr>
+        <p:txBody>
+          <a:bodyPr wrap="square" rtlCol="0">
+            <a:spAutoFit/>
+          </a:bodyPr>
+          <a:lstStyle/>
+          <a:p>
+            <a:r>
+              <a:rPr lang="en-US" dirty="0" smtClean="0"/>
+              <a:t>Comparison: CISC, RISC, VLIW</a:t>
+            </a:r>
+            <a:endParaRPr lang="en-US" dirty="0"/>
+          </a:p>
+        </p:txBody>
+      </p:sp>
+      <p:graphicFrame>
+        <p:nvGraphicFramePr>
+          <p:cNvPr id="5" name="Table 4"/>
+          <p:cNvGraphicFramePr>
+            <a:graphicFrameLocks noGrp="1"/>
+          </p:cNvGraphicFramePr>
+          <p:nvPr>
+            <p:extLst>
+              <p:ext uri="{D42A27DB-BD31-4B8C-83A1-F6EECF244321}">
+                <p14:modId xmlns:p14="http://schemas.microsoft.com/office/powerpoint/2010/main" val="2638391878"/>
+              </p:ext>
+            </p:extLst>
+          </p:nvPr>
+        </p:nvGraphicFramePr>
+        <p:xfrm>
+          <a:off x="122829" y="678723"/>
+          <a:ext cx="11859904" cy="4741637"/>
+        </p:xfrm>
+        <a:graphic>
+          <a:graphicData uri="http://schemas.openxmlformats.org/drawingml/2006/table">
+            <a:tbl>
+              <a:tblPr firstRow="1" bandRow="1">
+                <a:tableStyleId>{5C22544A-7EE6-4342-B048-85BDC9FD1C3A}</a:tableStyleId>
+              </a:tblPr>
+              <a:tblGrid>
+                <a:gridCol w="2456598"/>
+                <a:gridCol w="3473354"/>
+                <a:gridCol w="2964976"/>
+                <a:gridCol w="2964976"/>
+              </a:tblGrid>
+              <a:tr h="699701">
+                <a:tc>
+                  <a:txBody>
+                    <a:bodyPr/>
+                    <a:lstStyle/>
+                    <a:p>
+                      <a:r>
+                        <a:rPr lang="en-US" dirty="0" smtClean="0"/>
+                        <a:t>ARCHITECTURE CHARACTERISTIC</a:t>
+                      </a:r>
+                      <a:endParaRPr lang="en-US" dirty="0"/>
+                    </a:p>
+                  </a:txBody>
+                  <a:tcPr/>
+                </a:tc>
+                <a:tc>
+                  <a:txBody>
+                    <a:bodyPr/>
+                    <a:lstStyle/>
+                    <a:p>
+                      <a:r>
+                        <a:rPr lang="en-US" dirty="0" smtClean="0"/>
+                        <a:t>CISC</a:t>
+                      </a:r>
+                      <a:endParaRPr lang="en-US" dirty="0"/>
+                    </a:p>
+                  </a:txBody>
+                  <a:tcPr/>
+                </a:tc>
+                <a:tc>
+                  <a:txBody>
+                    <a:bodyPr/>
+                    <a:lstStyle/>
+                    <a:p>
+                      <a:r>
+                        <a:rPr lang="en-US" dirty="0" smtClean="0"/>
+                        <a:t>RISC</a:t>
+                      </a:r>
+                      <a:endParaRPr lang="en-US" dirty="0"/>
+                    </a:p>
+                  </a:txBody>
+                  <a:tcPr/>
+                </a:tc>
+                <a:tc>
+                  <a:txBody>
+                    <a:bodyPr/>
+                    <a:lstStyle/>
+                    <a:p>
+                      <a:r>
+                        <a:rPr lang="en-US" dirty="0" smtClean="0"/>
+                        <a:t>VLIW</a:t>
+                      </a:r>
+                      <a:endParaRPr lang="en-US" dirty="0"/>
+                    </a:p>
+                  </a:txBody>
+                  <a:tcPr/>
+                </a:tc>
+              </a:tr>
+              <a:tr h="436728">
+                <a:tc>
+                  <a:txBody>
+                    <a:bodyPr/>
+                    <a:lstStyle/>
+                    <a:p>
+                      <a:r>
+                        <a:rPr lang="en-US" dirty="0" smtClean="0"/>
+                        <a:t>Instruction Size</a:t>
+                      </a:r>
+                      <a:endParaRPr lang="en-US" dirty="0"/>
+                    </a:p>
+                  </a:txBody>
+                  <a:tcPr/>
+                </a:tc>
+                <a:tc>
+                  <a:txBody>
+                    <a:bodyPr/>
+                    <a:lstStyle/>
+                    <a:p>
+                      <a:r>
+                        <a:rPr lang="en-US" dirty="0" smtClean="0"/>
+                        <a:t>Varies</a:t>
+                      </a:r>
+                      <a:endParaRPr lang="en-US" dirty="0"/>
+                    </a:p>
+                  </a:txBody>
+                  <a:tcPr/>
+                </a:tc>
+                <a:tc>
+                  <a:txBody>
+                    <a:bodyPr/>
+                    <a:lstStyle/>
+                    <a:p>
+                      <a:r>
+                        <a:rPr lang="en-US" dirty="0" smtClean="0"/>
+                        <a:t>One size, usually 32 bits</a:t>
+                      </a:r>
+                      <a:endParaRPr lang="en-US" dirty="0"/>
+                    </a:p>
+                  </a:txBody>
+                  <a:tcPr/>
+                </a:tc>
+                <a:tc>
+                  <a:txBody>
+                    <a:bodyPr/>
+                    <a:lstStyle/>
+                    <a:p>
+                      <a:r>
+                        <a:rPr lang="en-US" dirty="0" smtClean="0"/>
+                        <a:t>One size</a:t>
+                      </a:r>
+                      <a:endParaRPr lang="en-US" dirty="0"/>
+                    </a:p>
+                  </a:txBody>
+                  <a:tcPr/>
+                </a:tc>
+              </a:tr>
+              <a:tr h="1201736">
+                <a:tc>
+                  <a:txBody>
+                    <a:bodyPr/>
+                    <a:lstStyle/>
+                    <a:p>
+                      <a:r>
+                        <a:rPr lang="en-US" dirty="0" smtClean="0"/>
+                        <a:t>Instruction Semantics</a:t>
+                      </a:r>
+                      <a:endParaRPr lang="en-US" dirty="0"/>
+                    </a:p>
+                  </a:txBody>
+                  <a:tcPr/>
+                </a:tc>
+                <a:tc>
+                  <a:txBody>
+                    <a:bodyPr/>
+                    <a:lstStyle/>
+                    <a:p>
+                      <a:r>
+                        <a:rPr lang="en-US" dirty="0" smtClean="0"/>
+                        <a:t>Varies from simple to complex; possibly many dependent operations per instruction</a:t>
+                      </a:r>
+                      <a:endParaRPr lang="en-US" dirty="0"/>
+                    </a:p>
+                  </a:txBody>
+                  <a:tcPr/>
+                </a:tc>
+                <a:tc>
+                  <a:txBody>
+                    <a:bodyPr/>
+                    <a:lstStyle/>
+                    <a:p>
+                      <a:r>
+                        <a:rPr lang="en-US" dirty="0" smtClean="0"/>
+                        <a:t>Almost always one simple operation</a:t>
+                      </a:r>
+                      <a:endParaRPr lang="en-US" dirty="0"/>
+                    </a:p>
+                  </a:txBody>
+                  <a:tcPr/>
+                </a:tc>
+                <a:tc>
+                  <a:txBody>
+                    <a:bodyPr/>
+                    <a:lstStyle/>
+                    <a:p>
+                      <a:r>
+                        <a:rPr lang="en-US" dirty="0" smtClean="0"/>
+                        <a:t>Many simple, independent operations</a:t>
+                      </a:r>
+                      <a:endParaRPr lang="en-US" dirty="0"/>
+                    </a:p>
+                  </a:txBody>
+                  <a:tcPr/>
+                </a:tc>
+              </a:tr>
+              <a:tr h="1201736">
+                <a:tc>
+                  <a:txBody>
+                    <a:bodyPr/>
+                    <a:lstStyle/>
+                    <a:p>
+                      <a:r>
+                        <a:rPr lang="en-US" dirty="0" smtClean="0"/>
+                        <a:t>Register</a:t>
+                      </a:r>
+                      <a:endParaRPr lang="en-US" dirty="0"/>
+                    </a:p>
+                  </a:txBody>
+                  <a:tcPr/>
+                </a:tc>
+                <a:tc>
+                  <a:txBody>
+                    <a:bodyPr/>
+                    <a:lstStyle/>
+                    <a:p>
+                      <a:r>
+                        <a:rPr lang="en-US" dirty="0" smtClean="0"/>
+                        <a:t>Few, sometimes special</a:t>
+                      </a:r>
+                      <a:endParaRPr lang="en-US" dirty="0"/>
+                    </a:p>
+                  </a:txBody>
+                  <a:tcPr/>
+                </a:tc>
+                <a:tc>
+                  <a:txBody>
+                    <a:bodyPr/>
+                    <a:lstStyle/>
+                    <a:p>
+                      <a:r>
+                        <a:rPr lang="en-US" dirty="0" smtClean="0"/>
+                        <a:t>Many, general-purpose</a:t>
+                      </a:r>
+                      <a:endParaRPr lang="en-US" dirty="0"/>
+                    </a:p>
+                  </a:txBody>
+                  <a:tcPr/>
+                </a:tc>
+                <a:tc>
+                  <a:txBody>
+                    <a:bodyPr/>
+                    <a:lstStyle/>
+                    <a:p>
+                      <a:r>
+                        <a:rPr lang="en-US" dirty="0" smtClean="0"/>
+                        <a:t>Many, general-purpose</a:t>
+                      </a:r>
+                      <a:endParaRPr lang="en-US" dirty="0"/>
+                    </a:p>
+                  </a:txBody>
+                  <a:tcPr/>
+                </a:tc>
+              </a:tr>
+              <a:tr h="1201736">
+                <a:tc>
+                  <a:txBody>
+                    <a:bodyPr/>
+                    <a:lstStyle/>
+                    <a:p>
+                      <a:r>
+                        <a:rPr lang="en-US" dirty="0" smtClean="0"/>
+                        <a:t>Hardware Design</a:t>
+                      </a:r>
+                      <a:endParaRPr lang="en-US" dirty="0"/>
+                    </a:p>
+                  </a:txBody>
+                  <a:tcPr/>
+                </a:tc>
+                <a:tc>
+                  <a:txBody>
+                    <a:bodyPr/>
+                    <a:lstStyle/>
+                    <a:p>
+                      <a:r>
+                        <a:rPr lang="en-US" dirty="0" smtClean="0"/>
+                        <a:t>Exploit microcode implementations</a:t>
+                      </a:r>
+                      <a:endParaRPr lang="en-US" dirty="0"/>
+                    </a:p>
+                  </a:txBody>
+                  <a:tcPr/>
+                </a:tc>
+                <a:tc>
+                  <a:txBody>
+                    <a:bodyPr/>
+                    <a:lstStyle/>
+                    <a:p>
+                      <a:r>
+                        <a:rPr lang="en-US" dirty="0" smtClean="0"/>
+                        <a:t>Exploit implementations with one pipeline and &amp; no microcode</a:t>
+                      </a:r>
+                      <a:endParaRPr lang="en-US" dirty="0"/>
+                    </a:p>
+                  </a:txBody>
+                  <a:tcPr/>
+                </a:tc>
+                <a:tc>
+                  <a:txBody>
+                    <a:bodyPr/>
+                    <a:lstStyle/>
+                    <a:p>
+                      <a:r>
+                        <a:rPr lang="en-US" dirty="0" smtClean="0"/>
+                        <a:t>Exploit implementations with multiple pipelines, no microcode &amp; no complex dispatch logic</a:t>
+                      </a:r>
+                      <a:endParaRPr lang="en-US" dirty="0"/>
+                    </a:p>
+                  </a:txBody>
+                  <a:tcPr/>
+                </a:tc>
+              </a:tr>
+            </a:tbl>
+          </a:graphicData>
+        </a:graphic>
+      </p:graphicFrame>
+    </p:spTree>
+    <p:extLst>
+      <p:ext uri="{BB962C8B-B14F-4D97-AF65-F5344CB8AC3E}">
+        <p14:creationId xmlns:p14="http://schemas.microsoft.com/office/powerpoint/2010/main" val="4129579945"/>
+      </p:ext>
+    </p:extLst>
+  </p:cSld>
+  <p:clrMapOvr>
+    <a:masterClrMapping/>
+  </p:clrMapOvr>
+</p:sld>
+</file>
+
+<file path=ppt/slides/slide17.xml><?xml version="1.0" encoding="utf-8"?>
+<p:sld xmlns:a="http://schemas.openxmlformats.org/drawingml/2006/main" xmlns:r="http://schemas.openxmlformats.org/officeDocument/2006/relationships" xmlns:p="http://schemas.openxmlformats.org/presentationml/2006/main">
+  <p:cSld>
+    <p:spTree>
+      <p:nvGrpSpPr>
+        <p:cNvPr id="1" name=""/>
+        <p:cNvGrpSpPr/>
+        <p:nvPr/>
+      </p:nvGrpSpPr>
+      <p:grpSpPr>
+        <a:xfrm>
+          <a:off x="0" y="0"/>
+          <a:ext cx="0" cy="0"/>
+          <a:chOff x="0" y="0"/>
+          <a:chExt cx="0" cy="0"/>
+        </a:xfrm>
+      </p:grpSpPr>
+      <p:sp>
+        <p:nvSpPr>
+          <p:cNvPr id="4" name="TextBox 3"/>
+          <p:cNvSpPr txBox="1"/>
+          <p:nvPr/>
+        </p:nvSpPr>
+        <p:spPr>
+          <a:xfrm>
+            <a:off x="136478" y="232012"/>
+            <a:ext cx="12055522" cy="2031325"/>
+          </a:xfrm>
+          <a:prstGeom prst="rect">
+            <a:avLst/>
+          </a:prstGeom>
+          <a:noFill/>
+        </p:spPr>
+        <p:txBody>
+          <a:bodyPr wrap="square" rtlCol="0">
+            <a:spAutoFit/>
+          </a:bodyPr>
+          <a:lstStyle/>
+          <a:p>
+            <a:r>
+              <a:rPr lang="en-US" dirty="0" smtClean="0"/>
+              <a:t>Advantages of VLIW</a:t>
+            </a:r>
+          </a:p>
+          <a:p>
+            <a:r>
+              <a:rPr lang="en-US" dirty="0"/>
+              <a:t> </a:t>
+            </a:r>
+            <a:r>
+              <a:rPr lang="en-US" dirty="0" smtClean="0"/>
+              <a:t>+ Dependencies are determined by compiler and used to schedule according to function unit latencies.</a:t>
+            </a:r>
+          </a:p>
+          <a:p>
+            <a:r>
+              <a:rPr lang="en-US" dirty="0"/>
+              <a:t> </a:t>
+            </a:r>
+            <a:r>
+              <a:rPr lang="en-US" dirty="0" smtClean="0"/>
+              <a:t>+ Function units are assigned by compiler and correspond to the position within the instruction packet.</a:t>
+            </a:r>
+          </a:p>
+          <a:p>
+            <a:r>
+              <a:rPr lang="en-US" dirty="0"/>
+              <a:t> </a:t>
+            </a:r>
+            <a:r>
+              <a:rPr lang="en-US" dirty="0" smtClean="0"/>
+              <a:t>+ Reduces hardware complexity:</a:t>
+            </a:r>
+          </a:p>
+          <a:p>
+            <a:r>
+              <a:rPr lang="en-US" dirty="0"/>
+              <a:t>	</a:t>
+            </a:r>
+            <a:r>
+              <a:rPr lang="en-US" dirty="0" smtClean="0"/>
+              <a:t>+ Tasks such as decoding, data dependency detection, instruction issues etc. becoming simple.</a:t>
+            </a:r>
+          </a:p>
+          <a:p>
+            <a:r>
+              <a:rPr lang="en-US" dirty="0"/>
+              <a:t>	</a:t>
+            </a:r>
+            <a:r>
+              <a:rPr lang="en-US" dirty="0" smtClean="0"/>
+              <a:t>+ Ensures potentially higher Clock Rate.</a:t>
+            </a:r>
+          </a:p>
+          <a:p>
+            <a:r>
+              <a:rPr lang="en-US" dirty="0"/>
+              <a:t>	</a:t>
+            </a:r>
+            <a:r>
+              <a:rPr lang="en-US" dirty="0" smtClean="0"/>
+              <a:t>+ Ensures Low power </a:t>
+            </a:r>
+            <a:r>
+              <a:rPr lang="en-US" dirty="0" err="1" smtClean="0"/>
+              <a:t>sonsumption</a:t>
+            </a:r>
+            <a:r>
+              <a:rPr lang="en-US" dirty="0" smtClean="0"/>
+              <a:t>.</a:t>
+            </a:r>
+            <a:endParaRPr lang="en-US" dirty="0"/>
+          </a:p>
+        </p:txBody>
+      </p:sp>
+    </p:spTree>
+    <p:extLst>
+      <p:ext uri="{BB962C8B-B14F-4D97-AF65-F5344CB8AC3E}">
+        <p14:creationId xmlns:p14="http://schemas.microsoft.com/office/powerpoint/2010/main" val="3238525398"/>
+      </p:ext>
+    </p:extLst>
+  </p:cSld>
+  <p:clrMapOvr>
+    <a:masterClrMapping/>
+  </p:clrMapOvr>
+</p:sld>
+</file>
+
+<file path=ppt/slides/slide18.xml><?xml version="1.0" encoding="utf-8"?>
+<p:sld xmlns:a="http://schemas.openxmlformats.org/drawingml/2006/main" xmlns:r="http://schemas.openxmlformats.org/officeDocument/2006/relationships" xmlns:p="http://schemas.openxmlformats.org/presentationml/2006/main">
+  <p:cSld>
+    <p:spTree>
+      <p:nvGrpSpPr>
+        <p:cNvPr id="1" name=""/>
+        <p:cNvGrpSpPr/>
+        <p:nvPr/>
+      </p:nvGrpSpPr>
+      <p:grpSpPr>
+        <a:xfrm>
+          <a:off x="0" y="0"/>
+          <a:ext cx="0" cy="0"/>
+          <a:chOff x="0" y="0"/>
+          <a:chExt cx="0" cy="0"/>
+        </a:xfrm>
+      </p:grpSpPr>
+      <p:sp>
+        <p:nvSpPr>
+          <p:cNvPr id="4" name="TextBox 3"/>
+          <p:cNvSpPr txBox="1"/>
+          <p:nvPr/>
+        </p:nvSpPr>
+        <p:spPr>
+          <a:xfrm>
+            <a:off x="95533" y="136478"/>
+            <a:ext cx="11969087" cy="2308324"/>
+          </a:xfrm>
+          <a:prstGeom prst="rect">
+            <a:avLst/>
+          </a:prstGeom>
+          <a:noFill/>
+        </p:spPr>
+        <p:txBody>
+          <a:bodyPr wrap="square" rtlCol="0">
+            <a:spAutoFit/>
+          </a:bodyPr>
+          <a:lstStyle/>
+          <a:p>
+            <a:r>
+              <a:rPr lang="en-US" dirty="0" smtClean="0"/>
+              <a:t>Disadvantages of VLIW</a:t>
+            </a:r>
+          </a:p>
+          <a:p>
+            <a:r>
+              <a:rPr lang="en-US" dirty="0"/>
+              <a:t> </a:t>
+            </a:r>
+            <a:r>
+              <a:rPr lang="en-US" dirty="0" smtClean="0"/>
+              <a:t>+ Higher complexity of the compiler</a:t>
+            </a:r>
+          </a:p>
+          <a:p>
+            <a:r>
+              <a:rPr lang="en-US" dirty="0" smtClean="0"/>
+              <a:t> + Compatibility across implementations: Compiler optimization needs to consider technology dependent parameters such as latencies and load-use time of cache.</a:t>
+            </a:r>
+          </a:p>
+          <a:p>
+            <a:r>
+              <a:rPr lang="en-US" dirty="0"/>
+              <a:t> </a:t>
+            </a:r>
+            <a:r>
+              <a:rPr lang="en-US" dirty="0" smtClean="0"/>
+              <a:t>+ Unscheduled events (</a:t>
+            </a:r>
+            <a:r>
+              <a:rPr lang="en-US" dirty="0" err="1" smtClean="0"/>
+              <a:t>e.g</a:t>
+            </a:r>
+            <a:r>
+              <a:rPr lang="en-US" dirty="0" smtClean="0"/>
+              <a:t> cache miss) stall entire processor.</a:t>
+            </a:r>
+          </a:p>
+          <a:p>
+            <a:r>
+              <a:rPr lang="en-US" dirty="0"/>
+              <a:t> </a:t>
+            </a:r>
+            <a:r>
+              <a:rPr lang="en-US" dirty="0" smtClean="0"/>
+              <a:t>+ Code density: in case of un-filled opcodes in a VLIW, memory space and instruction bandwidth are wasted </a:t>
+            </a:r>
+            <a:r>
+              <a:rPr lang="en-US" dirty="0" err="1" smtClean="0"/>
+              <a:t>i.e</a:t>
+            </a:r>
+            <a:r>
+              <a:rPr lang="en-US" dirty="0" smtClean="0"/>
+              <a:t> low slot utilization.</a:t>
+            </a:r>
+          </a:p>
+          <a:p>
+            <a:r>
+              <a:rPr lang="en-US" dirty="0"/>
+              <a:t> </a:t>
+            </a:r>
+            <a:r>
+              <a:rPr lang="en-US" dirty="0" smtClean="0"/>
+              <a:t>+ Code expansion: Causes high power </a:t>
+            </a:r>
+            <a:r>
+              <a:rPr lang="en-US" dirty="0" err="1" smtClean="0"/>
+              <a:t>consumtion</a:t>
+            </a:r>
+            <a:r>
+              <a:rPr lang="en-US" dirty="0" smtClean="0"/>
+              <a:t>.</a:t>
+            </a:r>
+            <a:endParaRPr lang="en-US" dirty="0"/>
+          </a:p>
+        </p:txBody>
+      </p:sp>
+    </p:spTree>
+    <p:extLst>
+      <p:ext uri="{BB962C8B-B14F-4D97-AF65-F5344CB8AC3E}">
+        <p14:creationId xmlns:p14="http://schemas.microsoft.com/office/powerpoint/2010/main" val="3476030616"/>
+      </p:ext>
+    </p:extLst>
+  </p:cSld>
+  <p:clrMapOvr>
+    <a:masterClrMapping/>
+  </p:clrMapOvr>
+</p:sld>
+</file>
+
+<file path=ppt/slides/slide19.xml><?xml version="1.0" encoding="utf-8"?>
+<p:sld xmlns:a="http://schemas.openxmlformats.org/drawingml/2006/main" xmlns:r="http://schemas.openxmlformats.org/officeDocument/2006/relationships" xmlns:p="http://schemas.openxmlformats.org/presentationml/2006/main">
+  <p:cSld>
+    <p:spTree>
+      <p:nvGrpSpPr>
+        <p:cNvPr id="1" name=""/>
+        <p:cNvGrpSpPr/>
+        <p:nvPr/>
+      </p:nvGrpSpPr>
+      <p:grpSpPr>
+        <a:xfrm>
+          <a:off x="0" y="0"/>
+          <a:ext cx="0" cy="0"/>
+          <a:chOff x="0" y="0"/>
+          <a:chExt cx="0" cy="0"/>
+        </a:xfrm>
+      </p:grpSpPr>
+      <p:sp>
+        <p:nvSpPr>
+          <p:cNvPr id="4" name="TextBox 3"/>
+          <p:cNvSpPr txBox="1"/>
+          <p:nvPr/>
+        </p:nvSpPr>
+        <p:spPr>
+          <a:xfrm>
+            <a:off x="259307" y="218364"/>
+            <a:ext cx="11600597" cy="923330"/>
+          </a:xfrm>
+          <a:prstGeom prst="rect">
+            <a:avLst/>
+          </a:prstGeom>
+          <a:noFill/>
+        </p:spPr>
+        <p:txBody>
+          <a:bodyPr wrap="square" rtlCol="0">
+            <a:spAutoFit/>
+          </a:bodyPr>
+          <a:lstStyle/>
+          <a:p>
+            <a:r>
+              <a:rPr lang="en-US" dirty="0" smtClean="0"/>
+              <a:t>Applications</a:t>
+            </a:r>
+          </a:p>
+          <a:p>
+            <a:r>
+              <a:rPr lang="en-US" dirty="0"/>
+              <a:t> </a:t>
+            </a:r>
+            <a:r>
+              <a:rPr lang="en-US" dirty="0" smtClean="0"/>
+              <a:t>+ VLIW architecture is suitable for Digital Signal Processing applications.</a:t>
+            </a:r>
+          </a:p>
+          <a:p>
+            <a:r>
+              <a:rPr lang="en-US" dirty="0"/>
+              <a:t> </a:t>
+            </a:r>
+            <a:r>
+              <a:rPr lang="en-US" dirty="0" smtClean="0"/>
+              <a:t>+ Processing of media data like compression/decompression of image and speech data.</a:t>
+            </a:r>
+            <a:endParaRPr lang="en-US" dirty="0"/>
+          </a:p>
+        </p:txBody>
+      </p:sp>
+    </p:spTree>
+    <p:extLst>
+      <p:ext uri="{BB962C8B-B14F-4D97-AF65-F5344CB8AC3E}">
+        <p14:creationId xmlns:p14="http://schemas.microsoft.com/office/powerpoint/2010/main" val="3948255203"/>
+      </p:ext>
+    </p:extLst>
+  </p:cSld>
+  <p:clrMapOvr>
+    <a:masterClrMapping/>
+  </p:clrMapOvr>
+</p:sld>
+</file>
+
 <file path=ppt/slides/slide2.xml><?xml version="1.0" encoding="utf-8"?>
 <p:sld xmlns:a="http://schemas.openxmlformats.org/drawingml/2006/main" xmlns:r="http://schemas.openxmlformats.org/officeDocument/2006/relationships" xmlns:p="http://schemas.openxmlformats.org/presentationml/2006/main">
   <p:cSld>
@@ -3118,6 +4486,222 @@
     <p:extLst>
       <p:ext uri="{BB962C8B-B14F-4D97-AF65-F5344CB8AC3E}">
         <p14:creationId xmlns:p14="http://schemas.microsoft.com/office/powerpoint/2010/main" val="3877605052"/>
+      </p:ext>
+    </p:extLst>
+  </p:cSld>
+  <p:clrMapOvr>
+    <a:masterClrMapping/>
+  </p:clrMapOvr>
+</p:sld>
+</file>
+
+<file path=ppt/slides/slide20.xml><?xml version="1.0" encoding="utf-8"?>
+<p:sld xmlns:a="http://schemas.openxmlformats.org/drawingml/2006/main" xmlns:r="http://schemas.openxmlformats.org/officeDocument/2006/relationships" xmlns:p="http://schemas.openxmlformats.org/presentationml/2006/main">
+  <p:cSld>
+    <p:spTree>
+      <p:nvGrpSpPr>
+        <p:cNvPr id="1" name=""/>
+        <p:cNvGrpSpPr/>
+        <p:nvPr/>
+      </p:nvGrpSpPr>
+      <p:grpSpPr>
+        <a:xfrm>
+          <a:off x="0" y="0"/>
+          <a:ext cx="0" cy="0"/>
+          <a:chOff x="0" y="0"/>
+          <a:chExt cx="0" cy="0"/>
+        </a:xfrm>
+      </p:grpSpPr>
+      <p:sp>
+        <p:nvSpPr>
+          <p:cNvPr id="4" name="TextBox 3"/>
+          <p:cNvSpPr txBox="1"/>
+          <p:nvPr/>
+        </p:nvSpPr>
+        <p:spPr>
+          <a:xfrm>
+            <a:off x="218364" y="163773"/>
+            <a:ext cx="11682484" cy="3139321"/>
+          </a:xfrm>
+          <a:prstGeom prst="rect">
+            <a:avLst/>
+          </a:prstGeom>
+          <a:noFill/>
+        </p:spPr>
+        <p:txBody>
+          <a:bodyPr wrap="square" rtlCol="0">
+            <a:spAutoFit/>
+          </a:bodyPr>
+          <a:lstStyle/>
+          <a:p>
+            <a:r>
+              <a:rPr lang="en-US" dirty="0" smtClean="0"/>
+              <a:t>Examples of VLIW processor</a:t>
+            </a:r>
+          </a:p>
+          <a:p>
+            <a:r>
+              <a:rPr lang="en-US" dirty="0"/>
+              <a:t> </a:t>
+            </a:r>
+            <a:r>
+              <a:rPr lang="en-US" dirty="0" smtClean="0"/>
+              <a:t>+ VLIW Mini supercomputers:</a:t>
+            </a:r>
+          </a:p>
+          <a:p>
+            <a:r>
+              <a:rPr lang="en-US" dirty="0"/>
+              <a:t>	</a:t>
+            </a:r>
+            <a:r>
+              <a:rPr lang="en-US" dirty="0" smtClean="0"/>
+              <a:t>+ </a:t>
+            </a:r>
+            <a:r>
+              <a:rPr lang="en-US" dirty="0" err="1" smtClean="0"/>
+              <a:t>Multiflow</a:t>
+            </a:r>
+            <a:r>
+              <a:rPr lang="en-US" dirty="0" smtClean="0"/>
+              <a:t> TRACE 7/300, 14/300, 28/300</a:t>
+            </a:r>
+          </a:p>
+          <a:p>
+            <a:r>
+              <a:rPr lang="en-US" dirty="0"/>
+              <a:t>	</a:t>
+            </a:r>
+            <a:r>
+              <a:rPr lang="en-US" dirty="0" smtClean="0"/>
+              <a:t>+ </a:t>
+            </a:r>
+            <a:r>
+              <a:rPr lang="en-US" dirty="0" err="1" smtClean="0"/>
+              <a:t>Multiflow</a:t>
+            </a:r>
+            <a:r>
+              <a:rPr lang="en-US" dirty="0" smtClean="0"/>
+              <a:t> TRACE /500</a:t>
+            </a:r>
+          </a:p>
+          <a:p>
+            <a:r>
+              <a:rPr lang="en-US" dirty="0"/>
+              <a:t>	</a:t>
+            </a:r>
+            <a:r>
+              <a:rPr lang="en-US" dirty="0" smtClean="0"/>
+              <a:t>+ </a:t>
+            </a:r>
+            <a:r>
+              <a:rPr lang="en-US" dirty="0" err="1" smtClean="0"/>
+              <a:t>Cydrome</a:t>
+            </a:r>
+            <a:r>
+              <a:rPr lang="en-US" dirty="0" smtClean="0"/>
+              <a:t> </a:t>
+            </a:r>
+            <a:r>
+              <a:rPr lang="en-US" dirty="0" err="1" smtClean="0"/>
+              <a:t>Cydra</a:t>
+            </a:r>
+            <a:r>
+              <a:rPr lang="en-US" dirty="0" smtClean="0"/>
+              <a:t> 5</a:t>
+            </a:r>
+          </a:p>
+          <a:p>
+            <a:r>
+              <a:rPr lang="en-US" dirty="0"/>
+              <a:t>	</a:t>
+            </a:r>
+            <a:r>
+              <a:rPr lang="en-US" dirty="0" smtClean="0"/>
+              <a:t>+ IBM Yorktown VLIW Computer.</a:t>
+            </a:r>
+          </a:p>
+          <a:p>
+            <a:r>
+              <a:rPr lang="en-US" dirty="0"/>
+              <a:t> </a:t>
+            </a:r>
+            <a:r>
+              <a:rPr lang="en-US" dirty="0" smtClean="0"/>
+              <a:t>+ Single-chip VLIW processors:</a:t>
+            </a:r>
+          </a:p>
+          <a:p>
+            <a:r>
+              <a:rPr lang="en-US" dirty="0"/>
+              <a:t>	</a:t>
+            </a:r>
+            <a:r>
+              <a:rPr lang="en-US" dirty="0" smtClean="0"/>
+              <a:t>+ Intel </a:t>
+            </a:r>
+            <a:r>
+              <a:rPr lang="en-US" dirty="0" err="1" smtClean="0"/>
+              <a:t>iWarp</a:t>
+            </a:r>
+            <a:r>
+              <a:rPr lang="en-US" dirty="0" smtClean="0"/>
+              <a:t>, Philip’s LIFE chips</a:t>
+            </a:r>
+          </a:p>
+          <a:p>
+            <a:r>
+              <a:rPr lang="en-US" dirty="0"/>
+              <a:t> </a:t>
+            </a:r>
+            <a:r>
+              <a:rPr lang="en-US" dirty="0" smtClean="0"/>
+              <a:t>+ Single-chip VLIW Media (through-put) </a:t>
+            </a:r>
+            <a:r>
+              <a:rPr lang="en-US" dirty="0" err="1" smtClean="0"/>
+              <a:t>rocessor</a:t>
+            </a:r>
+            <a:r>
+              <a:rPr lang="en-US" dirty="0" smtClean="0"/>
+              <a:t>:</a:t>
+            </a:r>
+          </a:p>
+          <a:p>
+            <a:r>
+              <a:rPr lang="en-US" dirty="0"/>
+              <a:t>	</a:t>
+            </a:r>
+            <a:r>
+              <a:rPr lang="en-US" dirty="0" smtClean="0"/>
+              <a:t>+ </a:t>
+            </a:r>
+            <a:r>
+              <a:rPr lang="en-US" dirty="0" err="1" smtClean="0"/>
+              <a:t>Trimedia</a:t>
+            </a:r>
+            <a:r>
+              <a:rPr lang="en-US" dirty="0" smtClean="0"/>
+              <a:t>, Chromatic, Micro-Unity</a:t>
+            </a:r>
+          </a:p>
+          <a:p>
+            <a:r>
+              <a:rPr lang="en-US" dirty="0"/>
+              <a:t> </a:t>
+            </a:r>
+            <a:r>
+              <a:rPr lang="en-US" dirty="0" smtClean="0"/>
+              <a:t>+ DSP processors (TI TMS320C6x ) </a:t>
+            </a:r>
+            <a:endParaRPr lang="en-US" dirty="0"/>
+          </a:p>
+        </p:txBody>
+      </p:sp>
+    </p:spTree>
+    <p:extLst>
+      <p:ext uri="{BB962C8B-B14F-4D97-AF65-F5344CB8AC3E}">
+        <p14:creationId xmlns:p14="http://schemas.microsoft.com/office/powerpoint/2010/main" val="99840283"/>
       </p:ext>
     </p:extLst>
   </p:cSld>
@@ -3486,6 +5070,424 @@
     <p:extLst>
       <p:ext uri="{BB962C8B-B14F-4D97-AF65-F5344CB8AC3E}">
         <p14:creationId xmlns:p14="http://schemas.microsoft.com/office/powerpoint/2010/main" val="1722416986"/>
+      </p:ext>
+    </p:extLst>
+  </p:cSld>
+  <p:clrMapOvr>
+    <a:masterClrMapping/>
+  </p:clrMapOvr>
+</p:sld>
+</file>
+
+<file path=ppt/slides/slide6.xml><?xml version="1.0" encoding="utf-8"?>
+<p:sld xmlns:a="http://schemas.openxmlformats.org/drawingml/2006/main" xmlns:r="http://schemas.openxmlformats.org/officeDocument/2006/relationships" xmlns:p="http://schemas.openxmlformats.org/presentationml/2006/main">
+  <p:cSld>
+    <p:spTree>
+      <p:nvGrpSpPr>
+        <p:cNvPr id="1" name=""/>
+        <p:cNvGrpSpPr/>
+        <p:nvPr/>
+      </p:nvGrpSpPr>
+      <p:grpSpPr>
+        <a:xfrm>
+          <a:off x="0" y="0"/>
+          <a:ext cx="0" cy="0"/>
+          <a:chOff x="0" y="0"/>
+          <a:chExt cx="0" cy="0"/>
+        </a:xfrm>
+      </p:grpSpPr>
+      <p:sp>
+        <p:nvSpPr>
+          <p:cNvPr id="4" name="TextBox 3"/>
+          <p:cNvSpPr txBox="1"/>
+          <p:nvPr/>
+        </p:nvSpPr>
+        <p:spPr>
+          <a:xfrm>
+            <a:off x="272955" y="382138"/>
+            <a:ext cx="11627893" cy="1477328"/>
+          </a:xfrm>
+          <a:prstGeom prst="rect">
+            <a:avLst/>
+          </a:prstGeom>
+          <a:noFill/>
+        </p:spPr>
+        <p:txBody>
+          <a:bodyPr wrap="square" rtlCol="0">
+            <a:spAutoFit/>
+          </a:bodyPr>
+          <a:lstStyle/>
+          <a:p>
+            <a:r>
+              <a:rPr lang="en-US" dirty="0" smtClean="0"/>
+              <a:t>VLIW Compiler</a:t>
+            </a:r>
+          </a:p>
+          <a:p>
+            <a:r>
+              <a:rPr lang="en-US" dirty="0"/>
+              <a:t> </a:t>
+            </a:r>
+            <a:r>
+              <a:rPr lang="en-US" dirty="0" smtClean="0"/>
+              <a:t>+ Compiler is responsible for static scheduling of instructions in VLIW processor.</a:t>
+            </a:r>
+          </a:p>
+          <a:p>
+            <a:r>
+              <a:rPr lang="en-US" dirty="0"/>
+              <a:t> </a:t>
+            </a:r>
+            <a:r>
+              <a:rPr lang="en-US" dirty="0" smtClean="0"/>
+              <a:t>+ Compiler finds out which operations can be executed in parallel in the program.</a:t>
+            </a:r>
+          </a:p>
+          <a:p>
+            <a:r>
+              <a:rPr lang="en-US" dirty="0"/>
+              <a:t> </a:t>
+            </a:r>
+            <a:r>
+              <a:rPr lang="en-US" dirty="0" smtClean="0"/>
+              <a:t>+ It groups together these operations in single instruction which is the very large instruction word.</a:t>
+            </a:r>
+          </a:p>
+          <a:p>
+            <a:r>
+              <a:rPr lang="en-US" dirty="0"/>
+              <a:t> </a:t>
+            </a:r>
+            <a:r>
+              <a:rPr lang="en-US" dirty="0" smtClean="0"/>
+              <a:t>+ Compiler ensures that an operation is not issued before its operands are ready.</a:t>
+            </a:r>
+            <a:endParaRPr lang="en-US" dirty="0"/>
+          </a:p>
+        </p:txBody>
+      </p:sp>
+    </p:spTree>
+    <p:extLst>
+      <p:ext uri="{BB962C8B-B14F-4D97-AF65-F5344CB8AC3E}">
+        <p14:creationId xmlns:p14="http://schemas.microsoft.com/office/powerpoint/2010/main" val="2539564905"/>
+      </p:ext>
+    </p:extLst>
+  </p:cSld>
+  <p:clrMapOvr>
+    <a:masterClrMapping/>
+  </p:clrMapOvr>
+</p:sld>
+</file>
+
+<file path=ppt/slides/slide7.xml><?xml version="1.0" encoding="utf-8"?>
+<p:sld xmlns:a="http://schemas.openxmlformats.org/drawingml/2006/main" xmlns:r="http://schemas.openxmlformats.org/officeDocument/2006/relationships" xmlns:p="http://schemas.openxmlformats.org/presentationml/2006/main">
+  <p:cSld>
+    <p:spTree>
+      <p:nvGrpSpPr>
+        <p:cNvPr id="1" name=""/>
+        <p:cNvGrpSpPr/>
+        <p:nvPr/>
+      </p:nvGrpSpPr>
+      <p:grpSpPr>
+        <a:xfrm>
+          <a:off x="0" y="0"/>
+          <a:ext cx="0" cy="0"/>
+          <a:chOff x="0" y="0"/>
+          <a:chExt cx="0" cy="0"/>
+        </a:xfrm>
+      </p:grpSpPr>
+      <p:sp>
+        <p:nvSpPr>
+          <p:cNvPr id="4" name="TextBox 3"/>
+          <p:cNvSpPr txBox="1"/>
+          <p:nvPr/>
+        </p:nvSpPr>
+        <p:spPr>
+          <a:xfrm>
+            <a:off x="245660" y="477672"/>
+            <a:ext cx="11750722" cy="2031325"/>
+          </a:xfrm>
+          <a:prstGeom prst="rect">
+            <a:avLst/>
+          </a:prstGeom>
+          <a:noFill/>
+        </p:spPr>
+        <p:txBody>
+          <a:bodyPr wrap="square" rtlCol="0">
+            <a:spAutoFit/>
+          </a:bodyPr>
+          <a:lstStyle/>
+          <a:p>
+            <a:r>
+              <a:rPr lang="en-US" dirty="0" smtClean="0"/>
+              <a:t>VLIW Instruction</a:t>
+            </a:r>
+          </a:p>
+          <a:p>
+            <a:r>
+              <a:rPr lang="en-US" dirty="0"/>
+              <a:t> </a:t>
+            </a:r>
+            <a:r>
+              <a:rPr lang="en-US" dirty="0" smtClean="0"/>
+              <a:t>+ One VLIW instruction word encodes multiple operations which allows them to be initiated in a single clock cycle.</a:t>
+            </a:r>
+          </a:p>
+          <a:p>
+            <a:r>
+              <a:rPr lang="en-US" dirty="0"/>
+              <a:t> </a:t>
+            </a:r>
+            <a:r>
+              <a:rPr lang="en-US" dirty="0" smtClean="0"/>
+              <a:t>+ The operands and operation to be performed by the various functional units are specified in the instruction itself.</a:t>
+            </a:r>
+          </a:p>
+          <a:p>
+            <a:r>
+              <a:rPr lang="en-US" dirty="0"/>
+              <a:t> </a:t>
+            </a:r>
+            <a:r>
+              <a:rPr lang="en-US" dirty="0" smtClean="0"/>
+              <a:t>+ One instruction encodes at least one operation for each execution unit of the device.</a:t>
+            </a:r>
+          </a:p>
+          <a:p>
+            <a:r>
+              <a:rPr lang="en-US" dirty="0"/>
+              <a:t> </a:t>
+            </a:r>
+            <a:r>
+              <a:rPr lang="en-US" dirty="0" smtClean="0"/>
+              <a:t>+ So length of the instruction increases with the number of execution units.</a:t>
+            </a:r>
+          </a:p>
+          <a:p>
+            <a:r>
+              <a:rPr lang="en-US" dirty="0"/>
+              <a:t> </a:t>
+            </a:r>
+            <a:r>
+              <a:rPr lang="en-US" dirty="0" smtClean="0"/>
+              <a:t>+ To accommodate these operation fields, VLIW instructions are usually at least 64 bits wide, and on some architecture are much wider up to 1024 bits.</a:t>
+            </a:r>
+            <a:endParaRPr lang="en-US" dirty="0"/>
+          </a:p>
+        </p:txBody>
+      </p:sp>
+    </p:spTree>
+    <p:extLst>
+      <p:ext uri="{BB962C8B-B14F-4D97-AF65-F5344CB8AC3E}">
+        <p14:creationId xmlns:p14="http://schemas.microsoft.com/office/powerpoint/2010/main" val="1747887133"/>
+      </p:ext>
+    </p:extLst>
+  </p:cSld>
+  <p:clrMapOvr>
+    <a:masterClrMapping/>
+  </p:clrMapOvr>
+</p:sld>
+</file>
+
+<file path=ppt/slides/slide8.xml><?xml version="1.0" encoding="utf-8"?>
+<p:sld xmlns:a="http://schemas.openxmlformats.org/drawingml/2006/main" xmlns:r="http://schemas.openxmlformats.org/officeDocument/2006/relationships" xmlns:p="http://schemas.openxmlformats.org/presentationml/2006/main">
+  <p:cSld>
+    <p:spTree>
+      <p:nvGrpSpPr>
+        <p:cNvPr id="1" name=""/>
+        <p:cNvGrpSpPr/>
+        <p:nvPr/>
+      </p:nvGrpSpPr>
+      <p:grpSpPr>
+        <a:xfrm>
+          <a:off x="0" y="0"/>
+          <a:ext cx="0" cy="0"/>
+          <a:chOff x="0" y="0"/>
+          <a:chExt cx="0" cy="0"/>
+        </a:xfrm>
+      </p:grpSpPr>
+      <p:pic>
+        <p:nvPicPr>
+          <p:cNvPr id="4" name="Content Placeholder 3"/>
+          <p:cNvPicPr>
+            <a:picLocks noGrp="1" noChangeAspect="1"/>
+          </p:cNvPicPr>
+          <p:nvPr>
+            <p:ph idx="1"/>
+          </p:nvPr>
+        </p:nvPicPr>
+        <p:blipFill>
+          <a:blip r:embed="rId2">
+            <a:extLst>
+              <a:ext uri="{28A0092B-C50C-407E-A947-70E740481C1C}">
+                <a14:useLocalDpi xmlns:a14="http://schemas.microsoft.com/office/drawing/2010/main" val="0"/>
+              </a:ext>
+            </a:extLst>
+          </a:blip>
+          <a:stretch>
+            <a:fillRect/>
+          </a:stretch>
+        </p:blipFill>
+        <p:spPr>
+          <a:xfrm>
+            <a:off x="1384300" y="1965278"/>
+            <a:ext cx="7588651" cy="3279202"/>
+          </a:xfrm>
+        </p:spPr>
+      </p:pic>
+      <p:sp>
+        <p:nvSpPr>
+          <p:cNvPr id="5" name="TextBox 4"/>
+          <p:cNvSpPr txBox="1"/>
+          <p:nvPr/>
+        </p:nvSpPr>
+        <p:spPr>
+          <a:xfrm>
+            <a:off x="818866" y="518615"/>
+            <a:ext cx="5090615" cy="369332"/>
+          </a:xfrm>
+          <a:prstGeom prst="rect">
+            <a:avLst/>
+          </a:prstGeom>
+          <a:noFill/>
+        </p:spPr>
+        <p:txBody>
+          <a:bodyPr wrap="square" rtlCol="0">
+            <a:spAutoFit/>
+          </a:bodyPr>
+          <a:lstStyle/>
+          <a:p>
+            <a:r>
+              <a:rPr lang="en-US" dirty="0" smtClean="0"/>
+              <a:t>VLIW Instruction</a:t>
+            </a:r>
+            <a:endParaRPr lang="en-US" dirty="0"/>
+          </a:p>
+        </p:txBody>
+      </p:sp>
+    </p:spTree>
+    <p:extLst>
+      <p:ext uri="{BB962C8B-B14F-4D97-AF65-F5344CB8AC3E}">
+        <p14:creationId xmlns:p14="http://schemas.microsoft.com/office/powerpoint/2010/main" val="3151820879"/>
+      </p:ext>
+    </p:extLst>
+  </p:cSld>
+  <p:clrMapOvr>
+    <a:masterClrMapping/>
+  </p:clrMapOvr>
+</p:sld>
+</file>
+
+<file path=ppt/slides/slide9.xml><?xml version="1.0" encoding="utf-8"?>
+<p:sld xmlns:a="http://schemas.openxmlformats.org/drawingml/2006/main" xmlns:r="http://schemas.openxmlformats.org/officeDocument/2006/relationships" xmlns:p="http://schemas.openxmlformats.org/presentationml/2006/main">
+  <p:cSld>
+    <p:spTree>
+      <p:nvGrpSpPr>
+        <p:cNvPr id="1" name=""/>
+        <p:cNvGrpSpPr/>
+        <p:nvPr/>
+      </p:nvGrpSpPr>
+      <p:grpSpPr>
+        <a:xfrm>
+          <a:off x="0" y="0"/>
+          <a:ext cx="0" cy="0"/>
+          <a:chOff x="0" y="0"/>
+          <a:chExt cx="0" cy="0"/>
+        </a:xfrm>
+      </p:grpSpPr>
+      <p:pic>
+        <p:nvPicPr>
+          <p:cNvPr id="4" name="Content Placeholder 3"/>
+          <p:cNvPicPr>
+            <a:picLocks noGrp="1" noChangeAspect="1"/>
+          </p:cNvPicPr>
+          <p:nvPr>
+            <p:ph idx="1"/>
+          </p:nvPr>
+        </p:nvPicPr>
+        <p:blipFill>
+          <a:blip r:embed="rId2">
+            <a:extLst>
+              <a:ext uri="{28A0092B-C50C-407E-A947-70E740481C1C}">
+                <a14:useLocalDpi xmlns:a14="http://schemas.microsoft.com/office/drawing/2010/main" val="0"/>
+              </a:ext>
+            </a:extLst>
+          </a:blip>
+          <a:stretch>
+            <a:fillRect/>
+          </a:stretch>
+        </p:blipFill>
+        <p:spPr>
+          <a:xfrm>
+            <a:off x="1972239" y="1869742"/>
+            <a:ext cx="8004274" cy="4805035"/>
+          </a:xfrm>
+        </p:spPr>
+      </p:pic>
+      <p:sp>
+        <p:nvSpPr>
+          <p:cNvPr id="5" name="TextBox 4"/>
+          <p:cNvSpPr txBox="1"/>
+          <p:nvPr/>
+        </p:nvSpPr>
+        <p:spPr>
+          <a:xfrm>
+            <a:off x="300251" y="259307"/>
+            <a:ext cx="3657600" cy="369332"/>
+          </a:xfrm>
+          <a:prstGeom prst="rect">
+            <a:avLst/>
+          </a:prstGeom>
+          <a:noFill/>
+        </p:spPr>
+        <p:txBody>
+          <a:bodyPr wrap="square" rtlCol="0">
+            <a:spAutoFit/>
+          </a:bodyPr>
+          <a:lstStyle/>
+          <a:p>
+            <a:r>
+              <a:rPr lang="en-US" dirty="0" smtClean="0"/>
+              <a:t>ILP in VLIW</a:t>
+            </a:r>
+            <a:endParaRPr lang="en-US" dirty="0"/>
+          </a:p>
+        </p:txBody>
+      </p:sp>
+      <p:sp>
+        <p:nvSpPr>
+          <p:cNvPr id="6" name="TextBox 5"/>
+          <p:cNvSpPr txBox="1"/>
+          <p:nvPr/>
+        </p:nvSpPr>
+        <p:spPr>
+          <a:xfrm>
+            <a:off x="300251" y="982639"/>
+            <a:ext cx="11573301" cy="369332"/>
+          </a:xfrm>
+          <a:prstGeom prst="rect">
+            <a:avLst/>
+          </a:prstGeom>
+          <a:noFill/>
+        </p:spPr>
+        <p:txBody>
+          <a:bodyPr wrap="square" rtlCol="0">
+            <a:spAutoFit/>
+          </a:bodyPr>
+          <a:lstStyle/>
+          <a:p>
+            <a:r>
+              <a:rPr lang="en-US" dirty="0" smtClean="0"/>
+              <a:t>Consider the computation of Y = a1 x 1 + a2 x 2 + a3 x3</a:t>
+            </a:r>
+            <a:endParaRPr lang="en-US" dirty="0"/>
+          </a:p>
+        </p:txBody>
+      </p:sp>
+    </p:spTree>
+    <p:extLst>
+      <p:ext uri="{BB962C8B-B14F-4D97-AF65-F5344CB8AC3E}">
+        <p14:creationId xmlns:p14="http://schemas.microsoft.com/office/powerpoint/2010/main" val="3771840122"/>
       </p:ext>
     </p:extLst>
   </p:cSld>
